--- a/assignment3_4조 ppt.pptx
+++ b/assignment3_4조 ppt.pptx
@@ -9,6 +9,8 @@
     <p:sldId id="257" r:id="rId3"/>
     <p:sldId id="259" r:id="rId4"/>
     <p:sldId id="258" r:id="rId5"/>
+    <p:sldId id="260" r:id="rId6"/>
+    <p:sldId id="261" r:id="rId7"/>
   </p:sldIdLst>
   <p:sldSz cx="9144000" cy="6858000" type="screen4x3"/>
   <p:notesSz cx="6858000" cy="9144000"/>
@@ -107,7 +109,27 @@
       </a:defRPr>
     </a:lvl9pPr>
   </p:defaultTextStyle>
+  <p:extLst>
+    <p:ext uri="{EFAFB233-063F-42B5-8137-9DF3F51BA10A}">
+      <p15:sldGuideLst xmlns:p15="http://schemas.microsoft.com/office/powerpoint/2012/main">
+        <p15:guide id="1" orient="horz" pos="2160">
+          <p15:clr>
+            <a:srgbClr val="A4A3A4"/>
+          </p15:clr>
+        </p15:guide>
+        <p15:guide id="2" pos="2880">
+          <p15:clr>
+            <a:srgbClr val="A4A3A4"/>
+          </p15:clr>
+        </p15:guide>
+      </p15:sldGuideLst>
+    </p:ext>
+  </p:extLst>
 </p:presentation>
+</file>
+
+<file path=ppt/revisionInfo.xml><?xml version="1.0" encoding="utf-8"?>
+<p1510:revInfo xmlns:a="http://schemas.openxmlformats.org/drawingml/2006/main" xmlns:r="http://schemas.openxmlformats.org/officeDocument/2006/relationships" xmlns:p1510="http://schemas.microsoft.com/office/powerpoint/2015/10/main"/>
 </file>
 
 <file path=ppt/slideLayouts/slideLayout1.xml><?xml version="1.0" encoding="utf-8"?>
@@ -508,7 +530,7 @@
           </a:lstStyle>
           <a:p>
             <a:r>
-              <a:rPr lang="ko-KR" altLang="en-US" smtClean="0"/>
+              <a:rPr lang="ko-KR" altLang="en-US"/>
               <a:t>마스터 부제목 스타일 편집</a:t>
             </a:r>
             <a:endParaRPr lang="en-US" dirty="0"/>
@@ -608,7 +630,7 @@
           </a:lstStyle>
           <a:p>
             <a:r>
-              <a:rPr lang="ko-KR" altLang="en-US" smtClean="0"/>
+              <a:rPr lang="ko-KR" altLang="en-US"/>
               <a:t>마스터 제목 스타일 편집</a:t>
             </a:r>
             <a:endParaRPr lang="en-US" dirty="0"/>
@@ -620,13 +642,6 @@
   <p:clrMapOvr>
     <a:masterClrMapping/>
   </p:clrMapOvr>
-  <p:timing>
-    <p:tnLst>
-      <p:par>
-        <p:cTn id="1" dur="indefinite" restart="never" nodeType="tmRoot"/>
-      </p:par>
-    </p:tnLst>
-  </p:timing>
 </p:sldLayout>
 </file>
 
@@ -663,7 +678,7 @@
           <a:lstStyle/>
           <a:p>
             <a:r>
-              <a:rPr lang="ko-KR" altLang="en-US" smtClean="0"/>
+              <a:rPr lang="ko-KR" altLang="en-US"/>
               <a:t>마스터 제목 스타일 편집</a:t>
             </a:r>
             <a:endParaRPr lang="en-US"/>
@@ -692,35 +707,35 @@
           <a:p>
             <a:pPr lvl="0"/>
             <a:r>
-              <a:rPr lang="ko-KR" altLang="en-US" smtClean="0"/>
+              <a:rPr lang="ko-KR" altLang="en-US"/>
               <a:t>마스터 텍스트 스타일을 편집합니다</a:t>
             </a:r>
           </a:p>
           <a:p>
             <a:pPr lvl="1"/>
             <a:r>
-              <a:rPr lang="ko-KR" altLang="en-US" smtClean="0"/>
+              <a:rPr lang="ko-KR" altLang="en-US"/>
               <a:t>둘째 수준</a:t>
             </a:r>
           </a:p>
           <a:p>
             <a:pPr lvl="2"/>
             <a:r>
-              <a:rPr lang="ko-KR" altLang="en-US" smtClean="0"/>
+              <a:rPr lang="ko-KR" altLang="en-US"/>
               <a:t>셋째 수준</a:t>
             </a:r>
           </a:p>
           <a:p>
             <a:pPr lvl="3"/>
             <a:r>
-              <a:rPr lang="ko-KR" altLang="en-US" smtClean="0"/>
+              <a:rPr lang="ko-KR" altLang="en-US"/>
               <a:t>넷째 수준</a:t>
             </a:r>
           </a:p>
           <a:p>
             <a:pPr lvl="4"/>
             <a:r>
-              <a:rPr lang="ko-KR" altLang="en-US" smtClean="0"/>
+              <a:rPr lang="ko-KR" altLang="en-US"/>
               <a:t>다섯째 수준</a:t>
             </a:r>
             <a:endParaRPr lang="en-US"/>
@@ -797,13 +812,6 @@
   <p:clrMapOvr>
     <a:masterClrMapping/>
   </p:clrMapOvr>
-  <p:timing>
-    <p:tnLst>
-      <p:par>
-        <p:cTn id="1" dur="indefinite" restart="never" nodeType="tmRoot"/>
-      </p:par>
-    </p:tnLst>
-  </p:timing>
 </p:sldLayout>
 </file>
 
@@ -850,7 +858,7 @@
           </a:lstStyle>
           <a:p>
             <a:r>
-              <a:rPr lang="ko-KR" altLang="en-US" smtClean="0"/>
+              <a:rPr lang="ko-KR" altLang="en-US"/>
               <a:t>마스터 제목 스타일 편집</a:t>
             </a:r>
             <a:endParaRPr lang="en-US"/>
@@ -879,35 +887,35 @@
           <a:p>
             <a:pPr lvl="0"/>
             <a:r>
-              <a:rPr lang="ko-KR" altLang="en-US" smtClean="0"/>
+              <a:rPr lang="ko-KR" altLang="en-US"/>
               <a:t>마스터 텍스트 스타일을 편집합니다</a:t>
             </a:r>
           </a:p>
           <a:p>
             <a:pPr lvl="1"/>
             <a:r>
-              <a:rPr lang="ko-KR" altLang="en-US" smtClean="0"/>
+              <a:rPr lang="ko-KR" altLang="en-US"/>
               <a:t>둘째 수준</a:t>
             </a:r>
           </a:p>
           <a:p>
             <a:pPr lvl="2"/>
             <a:r>
-              <a:rPr lang="ko-KR" altLang="en-US" smtClean="0"/>
+              <a:rPr lang="ko-KR" altLang="en-US"/>
               <a:t>셋째 수준</a:t>
             </a:r>
           </a:p>
           <a:p>
             <a:pPr lvl="3"/>
             <a:r>
-              <a:rPr lang="ko-KR" altLang="en-US" smtClean="0"/>
+              <a:rPr lang="ko-KR" altLang="en-US"/>
               <a:t>넷째 수준</a:t>
             </a:r>
           </a:p>
           <a:p>
             <a:pPr lvl="4"/>
             <a:r>
-              <a:rPr lang="ko-KR" altLang="en-US" smtClean="0"/>
+              <a:rPr lang="ko-KR" altLang="en-US"/>
               <a:t>다섯째 수준</a:t>
             </a:r>
             <a:endParaRPr lang="en-US" dirty="0"/>
@@ -984,13 +992,6 @@
   <p:clrMapOvr>
     <a:masterClrMapping/>
   </p:clrMapOvr>
-  <p:timing>
-    <p:tnLst>
-      <p:par>
-        <p:cTn id="1" dur="indefinite" restart="never" nodeType="tmRoot"/>
-      </p:par>
-    </p:tnLst>
-  </p:timing>
 </p:sldLayout>
 </file>
 
@@ -1092,7 +1093,7 @@
           <a:lstStyle/>
           <a:p>
             <a:r>
-              <a:rPr lang="ko-KR" altLang="en-US" smtClean="0"/>
+              <a:rPr lang="ko-KR" altLang="en-US"/>
               <a:t>마스터 제목 스타일 편집</a:t>
             </a:r>
             <a:endParaRPr lang="en-US"/>
@@ -1121,35 +1122,35 @@
           <a:p>
             <a:pPr lvl="0"/>
             <a:r>
-              <a:rPr lang="ko-KR" altLang="en-US" smtClean="0"/>
+              <a:rPr lang="ko-KR" altLang="en-US"/>
               <a:t>마스터 텍스트 스타일을 편집합니다</a:t>
             </a:r>
           </a:p>
           <a:p>
             <a:pPr lvl="1"/>
             <a:r>
-              <a:rPr lang="ko-KR" altLang="en-US" smtClean="0"/>
+              <a:rPr lang="ko-KR" altLang="en-US"/>
               <a:t>둘째 수준</a:t>
             </a:r>
           </a:p>
           <a:p>
             <a:pPr lvl="2"/>
             <a:r>
-              <a:rPr lang="ko-KR" altLang="en-US" smtClean="0"/>
+              <a:rPr lang="ko-KR" altLang="en-US"/>
               <a:t>셋째 수준</a:t>
             </a:r>
           </a:p>
           <a:p>
             <a:pPr lvl="3"/>
             <a:r>
-              <a:rPr lang="ko-KR" altLang="en-US" smtClean="0"/>
+              <a:rPr lang="ko-KR" altLang="en-US"/>
               <a:t>넷째 수준</a:t>
             </a:r>
           </a:p>
           <a:p>
             <a:pPr lvl="4"/>
             <a:r>
-              <a:rPr lang="ko-KR" altLang="en-US" smtClean="0"/>
+              <a:rPr lang="ko-KR" altLang="en-US"/>
               <a:t>다섯째 수준</a:t>
             </a:r>
             <a:endParaRPr lang="en-US" dirty="0"/>
@@ -1161,13 +1162,6 @@
   <p:clrMapOvr>
     <a:masterClrMapping/>
   </p:clrMapOvr>
-  <p:timing>
-    <p:tnLst>
-      <p:par>
-        <p:cTn id="1" dur="indefinite" restart="never" nodeType="tmRoot"/>
-      </p:par>
-    </p:tnLst>
-  </p:timing>
 </p:sldLayout>
 </file>
 
@@ -1483,7 +1477,7 @@
           </a:lstStyle>
           <a:p>
             <a:r>
-              <a:rPr lang="ko-KR" altLang="en-US" smtClean="0"/>
+              <a:rPr lang="ko-KR" altLang="en-US"/>
               <a:t>마스터 제목 스타일 편집</a:t>
             </a:r>
             <a:endParaRPr lang="en-US" dirty="0"/>
@@ -1601,7 +1595,7 @@
           <a:p>
             <a:pPr lvl="0"/>
             <a:r>
-              <a:rPr lang="ko-KR" altLang="en-US" smtClean="0"/>
+              <a:rPr lang="ko-KR" altLang="en-US"/>
               <a:t>마스터 텍스트 스타일을 편집합니다</a:t>
             </a:r>
           </a:p>
@@ -1677,13 +1671,6 @@
   <p:clrMapOvr>
     <a:masterClrMapping/>
   </p:clrMapOvr>
-  <p:timing>
-    <p:tnLst>
-      <p:par>
-        <p:cTn id="1" dur="indefinite" restart="never" nodeType="tmRoot"/>
-      </p:par>
-    </p:tnLst>
-  </p:timing>
 </p:sldLayout>
 </file>
 
@@ -1785,7 +1772,7 @@
           <a:lstStyle/>
           <a:p>
             <a:r>
-              <a:rPr lang="ko-KR" altLang="en-US" smtClean="0"/>
+              <a:rPr lang="ko-KR" altLang="en-US"/>
               <a:t>마스터 제목 스타일 편집</a:t>
             </a:r>
             <a:endParaRPr lang="en-US"/>
@@ -1814,35 +1801,35 @@
           <a:p>
             <a:pPr lvl="0"/>
             <a:r>
-              <a:rPr lang="ko-KR" altLang="en-US" smtClean="0"/>
+              <a:rPr lang="ko-KR" altLang="en-US"/>
               <a:t>마스터 텍스트 스타일을 편집합니다</a:t>
             </a:r>
           </a:p>
           <a:p>
             <a:pPr lvl="1"/>
             <a:r>
-              <a:rPr lang="ko-KR" altLang="en-US" smtClean="0"/>
+              <a:rPr lang="ko-KR" altLang="en-US"/>
               <a:t>둘째 수준</a:t>
             </a:r>
           </a:p>
           <a:p>
             <a:pPr lvl="2"/>
             <a:r>
-              <a:rPr lang="ko-KR" altLang="en-US" smtClean="0"/>
+              <a:rPr lang="ko-KR" altLang="en-US"/>
               <a:t>셋째 수준</a:t>
             </a:r>
           </a:p>
           <a:p>
             <a:pPr lvl="3"/>
             <a:r>
-              <a:rPr lang="ko-KR" altLang="en-US" smtClean="0"/>
+              <a:rPr lang="ko-KR" altLang="en-US"/>
               <a:t>넷째 수준</a:t>
             </a:r>
           </a:p>
           <a:p>
             <a:pPr lvl="4"/>
             <a:r>
-              <a:rPr lang="ko-KR" altLang="en-US" smtClean="0"/>
+              <a:rPr lang="ko-KR" altLang="en-US"/>
               <a:t>다섯째 수준</a:t>
             </a:r>
             <a:endParaRPr lang="en-US"/>
@@ -1871,35 +1858,35 @@
           <a:p>
             <a:pPr lvl="0"/>
             <a:r>
-              <a:rPr lang="ko-KR" altLang="en-US" smtClean="0"/>
+              <a:rPr lang="ko-KR" altLang="en-US"/>
               <a:t>마스터 텍스트 스타일을 편집합니다</a:t>
             </a:r>
           </a:p>
           <a:p>
             <a:pPr lvl="1"/>
             <a:r>
-              <a:rPr lang="ko-KR" altLang="en-US" smtClean="0"/>
+              <a:rPr lang="ko-KR" altLang="en-US"/>
               <a:t>둘째 수준</a:t>
             </a:r>
           </a:p>
           <a:p>
             <a:pPr lvl="2"/>
             <a:r>
-              <a:rPr lang="ko-KR" altLang="en-US" smtClean="0"/>
+              <a:rPr lang="ko-KR" altLang="en-US"/>
               <a:t>셋째 수준</a:t>
             </a:r>
           </a:p>
           <a:p>
             <a:pPr lvl="3"/>
             <a:r>
-              <a:rPr lang="ko-KR" altLang="en-US" smtClean="0"/>
+              <a:rPr lang="ko-KR" altLang="en-US"/>
               <a:t>넷째 수준</a:t>
             </a:r>
           </a:p>
           <a:p>
             <a:pPr lvl="4"/>
             <a:r>
-              <a:rPr lang="ko-KR" altLang="en-US" smtClean="0"/>
+              <a:rPr lang="ko-KR" altLang="en-US"/>
               <a:t>다섯째 수준</a:t>
             </a:r>
             <a:endParaRPr lang="en-US"/>
@@ -1911,13 +1898,6 @@
   <p:clrMapOvr>
     <a:masterClrMapping/>
   </p:clrMapOvr>
-  <p:timing>
-    <p:tnLst>
-      <p:par>
-        <p:cTn id="1" dur="indefinite" restart="never" nodeType="tmRoot"/>
-      </p:par>
-    </p:tnLst>
-  </p:timing>
 </p:sldLayout>
 </file>
 
@@ -2023,7 +2003,7 @@
           <a:p>
             <a:pPr lvl="0"/>
             <a:r>
-              <a:rPr lang="ko-KR" altLang="en-US" smtClean="0"/>
+              <a:rPr lang="ko-KR" altLang="en-US"/>
               <a:t>마스터 텍스트 스타일을 편집합니다</a:t>
             </a:r>
           </a:p>
@@ -2081,35 +2061,35 @@
           <a:p>
             <a:pPr lvl="0"/>
             <a:r>
-              <a:rPr lang="ko-KR" altLang="en-US" smtClean="0"/>
+              <a:rPr lang="ko-KR" altLang="en-US"/>
               <a:t>마스터 텍스트 스타일을 편집합니다</a:t>
             </a:r>
           </a:p>
           <a:p>
             <a:pPr lvl="1"/>
             <a:r>
-              <a:rPr lang="ko-KR" altLang="en-US" smtClean="0"/>
+              <a:rPr lang="ko-KR" altLang="en-US"/>
               <a:t>둘째 수준</a:t>
             </a:r>
           </a:p>
           <a:p>
             <a:pPr lvl="2"/>
             <a:r>
-              <a:rPr lang="ko-KR" altLang="en-US" smtClean="0"/>
+              <a:rPr lang="ko-KR" altLang="en-US"/>
               <a:t>셋째 수준</a:t>
             </a:r>
           </a:p>
           <a:p>
             <a:pPr lvl="3"/>
             <a:r>
-              <a:rPr lang="ko-KR" altLang="en-US" smtClean="0"/>
+              <a:rPr lang="ko-KR" altLang="en-US"/>
               <a:t>넷째 수준</a:t>
             </a:r>
           </a:p>
           <a:p>
             <a:pPr lvl="4"/>
             <a:r>
-              <a:rPr lang="ko-KR" altLang="en-US" smtClean="0"/>
+              <a:rPr lang="ko-KR" altLang="en-US"/>
               <a:t>다섯째 수준</a:t>
             </a:r>
             <a:endParaRPr lang="en-US" dirty="0"/>
@@ -2216,7 +2196,7 @@
               <a:buNone/>
             </a:pPr>
             <a:r>
-              <a:rPr lang="ko-KR" altLang="en-US" smtClean="0"/>
+              <a:rPr lang="ko-KR" altLang="en-US"/>
               <a:t>마스터 텍스트 스타일을 편집합니다</a:t>
             </a:r>
           </a:p>
@@ -2274,35 +2254,35 @@
           <a:p>
             <a:pPr lvl="0"/>
             <a:r>
-              <a:rPr lang="ko-KR" altLang="en-US" smtClean="0"/>
+              <a:rPr lang="ko-KR" altLang="en-US"/>
               <a:t>마스터 텍스트 스타일을 편집합니다</a:t>
             </a:r>
           </a:p>
           <a:p>
             <a:pPr lvl="1"/>
             <a:r>
-              <a:rPr lang="ko-KR" altLang="en-US" smtClean="0"/>
+              <a:rPr lang="ko-KR" altLang="en-US"/>
               <a:t>둘째 수준</a:t>
             </a:r>
           </a:p>
           <a:p>
             <a:pPr lvl="2"/>
             <a:r>
-              <a:rPr lang="ko-KR" altLang="en-US" smtClean="0"/>
+              <a:rPr lang="ko-KR" altLang="en-US"/>
               <a:t>셋째 수준</a:t>
             </a:r>
           </a:p>
           <a:p>
             <a:pPr lvl="3"/>
             <a:r>
-              <a:rPr lang="ko-KR" altLang="en-US" smtClean="0"/>
+              <a:rPr lang="ko-KR" altLang="en-US"/>
               <a:t>넷째 수준</a:t>
             </a:r>
           </a:p>
           <a:p>
             <a:pPr lvl="4"/>
             <a:r>
-              <a:rPr lang="ko-KR" altLang="en-US" smtClean="0"/>
+              <a:rPr lang="ko-KR" altLang="en-US"/>
               <a:t>다섯째 수준</a:t>
             </a:r>
             <a:endParaRPr lang="en-US" dirty="0"/>
@@ -2390,7 +2370,7 @@
           <a:lstStyle/>
           <a:p>
             <a:r>
-              <a:rPr lang="ko-KR" altLang="en-US" smtClean="0"/>
+              <a:rPr lang="ko-KR" altLang="en-US"/>
               <a:t>마스터 제목 스타일 편집</a:t>
             </a:r>
             <a:endParaRPr lang="en-US" dirty="0"/>
@@ -2402,13 +2382,6 @@
   <p:clrMapOvr>
     <a:masterClrMapping/>
   </p:clrMapOvr>
-  <p:timing>
-    <p:tnLst>
-      <p:par>
-        <p:cTn id="1" dur="indefinite" restart="never" nodeType="tmRoot"/>
-      </p:par>
-    </p:tnLst>
-  </p:timing>
 </p:sldLayout>
 </file>
 
@@ -2445,7 +2418,7 @@
           <a:lstStyle/>
           <a:p>
             <a:r>
-              <a:rPr lang="ko-KR" altLang="en-US" smtClean="0"/>
+              <a:rPr lang="ko-KR" altLang="en-US"/>
               <a:t>마스터 제목 스타일 편집</a:t>
             </a:r>
             <a:endParaRPr lang="en-US" dirty="0"/>
@@ -2522,13 +2495,6 @@
   <p:clrMapOvr>
     <a:masterClrMapping/>
   </p:clrMapOvr>
-  <p:timing>
-    <p:tnLst>
-      <p:par>
-        <p:cTn id="1" dur="indefinite" restart="never" nodeType="tmRoot"/>
-      </p:par>
-    </p:tnLst>
-  </p:timing>
 </p:sldLayout>
 </file>
 
@@ -2619,13 +2585,6 @@
   <p:clrMapOvr>
     <a:masterClrMapping/>
   </p:clrMapOvr>
-  <p:timing>
-    <p:tnLst>
-      <p:par>
-        <p:cTn id="1" dur="indefinite" restart="never" nodeType="tmRoot"/>
-      </p:par>
-    </p:tnLst>
-  </p:timing>
 </p:sldLayout>
 </file>
 
@@ -2676,7 +2635,7 @@
           </a:lstStyle>
           <a:p>
             <a:r>
-              <a:rPr lang="ko-KR" altLang="en-US" smtClean="0"/>
+              <a:rPr lang="ko-KR" altLang="en-US"/>
               <a:t>마스터 제목 스타일 편집</a:t>
             </a:r>
             <a:endParaRPr lang="en-US" dirty="0"/>
@@ -2733,35 +2692,35 @@
           <a:p>
             <a:pPr lvl="0"/>
             <a:r>
-              <a:rPr lang="ko-KR" altLang="en-US" smtClean="0"/>
+              <a:rPr lang="ko-KR" altLang="en-US"/>
               <a:t>마스터 텍스트 스타일을 편집합니다</a:t>
             </a:r>
           </a:p>
           <a:p>
             <a:pPr lvl="1"/>
             <a:r>
-              <a:rPr lang="ko-KR" altLang="en-US" smtClean="0"/>
+              <a:rPr lang="ko-KR" altLang="en-US"/>
               <a:t>둘째 수준</a:t>
             </a:r>
           </a:p>
           <a:p>
             <a:pPr lvl="2"/>
             <a:r>
-              <a:rPr lang="ko-KR" altLang="en-US" smtClean="0"/>
+              <a:rPr lang="ko-KR" altLang="en-US"/>
               <a:t>셋째 수준</a:t>
             </a:r>
           </a:p>
           <a:p>
             <a:pPr lvl="3"/>
             <a:r>
-              <a:rPr lang="ko-KR" altLang="en-US" smtClean="0"/>
+              <a:rPr lang="ko-KR" altLang="en-US"/>
               <a:t>넷째 수준</a:t>
             </a:r>
           </a:p>
           <a:p>
             <a:pPr lvl="4"/>
             <a:r>
-              <a:rPr lang="ko-KR" altLang="en-US" smtClean="0"/>
+              <a:rPr lang="ko-KR" altLang="en-US"/>
               <a:t>다섯째 수준</a:t>
             </a:r>
             <a:endParaRPr lang="en-US" dirty="0"/>
@@ -2827,7 +2786,7 @@
           <a:p>
             <a:pPr lvl="0"/>
             <a:r>
-              <a:rPr lang="ko-KR" altLang="en-US" smtClean="0"/>
+              <a:rPr lang="ko-KR" altLang="en-US"/>
               <a:t>마스터 텍스트 스타일을 편집합니다</a:t>
             </a:r>
           </a:p>
@@ -2903,13 +2862,6 @@
   <p:clrMapOvr>
     <a:masterClrMapping/>
   </p:clrMapOvr>
-  <p:timing>
-    <p:tnLst>
-      <p:par>
-        <p:cTn id="1" dur="indefinite" restart="never" nodeType="tmRoot"/>
-      </p:par>
-    </p:tnLst>
-  </p:timing>
 </p:sldLayout>
 </file>
 
@@ -3282,7 +3234,7 @@
           </a:lstStyle>
           <a:p>
             <a:r>
-              <a:rPr lang="ko-KR" altLang="en-US" smtClean="0"/>
+              <a:rPr lang="ko-KR" altLang="en-US"/>
               <a:t>그림을 추가하려면 아이콘을 클릭하십시오</a:t>
             </a:r>
             <a:endParaRPr lang="en-US" dirty="0"/>
@@ -3349,7 +3301,7 @@
           <a:p>
             <a:pPr lvl="0"/>
             <a:r>
-              <a:rPr lang="ko-KR" altLang="en-US" smtClean="0"/>
+              <a:rPr lang="ko-KR" altLang="en-US"/>
               <a:t>마스터 텍스트 스타일을 편집합니다</a:t>
             </a:r>
           </a:p>
@@ -3447,7 +3399,7 @@
           </a:lstStyle>
           <a:p>
             <a:r>
-              <a:rPr lang="ko-KR" altLang="en-US" smtClean="0"/>
+              <a:rPr lang="ko-KR" altLang="en-US"/>
               <a:t>마스터 제목 스타일 편집</a:t>
             </a:r>
             <a:endParaRPr lang="en-US" dirty="0"/>
@@ -3459,13 +3411,6 @@
   <p:clrMapOvr>
     <a:masterClrMapping/>
   </p:clrMapOvr>
-  <p:timing>
-    <p:tnLst>
-      <p:par>
-        <p:cTn id="1" dur="indefinite" restart="never" nodeType="tmRoot"/>
-      </p:par>
-    </p:tnLst>
-  </p:timing>
 </p:sldLayout>
 </file>
 
@@ -3787,7 +3732,7 @@
           <a:lstStyle/>
           <a:p>
             <a:r>
-              <a:rPr lang="ko-KR" altLang="en-US" smtClean="0"/>
+              <a:rPr lang="ko-KR" altLang="en-US"/>
               <a:t>마스터 제목 스타일 편집</a:t>
             </a:r>
             <a:endParaRPr lang="en-US" dirty="0"/>
@@ -3821,35 +3766,35 @@
           <a:p>
             <a:pPr lvl="0"/>
             <a:r>
-              <a:rPr lang="ko-KR" altLang="en-US" smtClean="0"/>
+              <a:rPr lang="ko-KR" altLang="en-US"/>
               <a:t>마스터 텍스트 스타일을 편집합니다</a:t>
             </a:r>
           </a:p>
           <a:p>
             <a:pPr lvl="1"/>
             <a:r>
-              <a:rPr lang="ko-KR" altLang="en-US" smtClean="0"/>
+              <a:rPr lang="ko-KR" altLang="en-US"/>
               <a:t>둘째 수준</a:t>
             </a:r>
           </a:p>
           <a:p>
             <a:pPr lvl="2"/>
             <a:r>
-              <a:rPr lang="ko-KR" altLang="en-US" smtClean="0"/>
+              <a:rPr lang="ko-KR" altLang="en-US"/>
               <a:t>셋째 수준</a:t>
             </a:r>
           </a:p>
           <a:p>
             <a:pPr lvl="3"/>
             <a:r>
-              <a:rPr lang="ko-KR" altLang="en-US" smtClean="0"/>
+              <a:rPr lang="ko-KR" altLang="en-US"/>
               <a:t>넷째 수준</a:t>
             </a:r>
           </a:p>
           <a:p>
             <a:pPr lvl="4"/>
             <a:r>
-              <a:rPr lang="ko-KR" altLang="en-US" smtClean="0"/>
+              <a:rPr lang="ko-KR" altLang="en-US"/>
               <a:t>다섯째 수준</a:t>
             </a:r>
             <a:endParaRPr lang="en-US" dirty="0"/>
@@ -3994,13 +3939,6 @@
     <p:sldLayoutId id="2147483670" r:id="rId10"/>
     <p:sldLayoutId id="2147483671" r:id="rId11"/>
   </p:sldLayoutIdLst>
-  <p:timing>
-    <p:tnLst>
-      <p:par>
-        <p:cTn id="1" dur="indefinite" restart="never" nodeType="tmRoot"/>
-      </p:par>
-    </p:tnLst>
-  </p:timing>
   <p:txStyles>
     <p:titleStyle>
       <a:lvl1pPr marL="320040" indent="-320040" algn="r" defTabSz="914400" rtl="0" eaLnBrk="1" latinLnBrk="1" hangingPunct="1">
@@ -4477,34 +4415,33 @@
           <a:lstStyle/>
           <a:p>
             <a:r>
-              <a:rPr lang="ko-KR" altLang="en-US" dirty="0" smtClean="0"/>
+              <a:rPr lang="ko-KR" altLang="en-US" dirty="0"/>
               <a:t>이태우</a:t>
             </a:r>
             <a:r>
-              <a:rPr lang="en-US" altLang="ko-KR" dirty="0" smtClean="0"/>
+              <a:rPr lang="en-US" altLang="ko-KR" dirty="0"/>
               <a:t>, </a:t>
             </a:r>
             <a:r>
-              <a:rPr lang="ko-KR" altLang="en-US" dirty="0" smtClean="0"/>
+              <a:rPr lang="ko-KR" altLang="en-US" dirty="0"/>
               <a:t>임태민</a:t>
             </a:r>
             <a:r>
-              <a:rPr lang="en-US" altLang="ko-KR" dirty="0" smtClean="0"/>
+              <a:rPr lang="en-US" altLang="ko-KR" dirty="0"/>
               <a:t>, </a:t>
             </a:r>
             <a:r>
-              <a:rPr lang="ko-KR" altLang="en-US" dirty="0" smtClean="0"/>
+              <a:rPr lang="ko-KR" altLang="en-US" dirty="0"/>
               <a:t>장민혁</a:t>
             </a:r>
             <a:r>
-              <a:rPr lang="en-US" altLang="ko-KR" dirty="0" smtClean="0"/>
+              <a:rPr lang="en-US" altLang="ko-KR" dirty="0"/>
               <a:t>, </a:t>
             </a:r>
             <a:r>
-              <a:rPr lang="ko-KR" altLang="en-US" dirty="0" smtClean="0"/>
+              <a:rPr lang="ko-KR" altLang="en-US" dirty="0"/>
               <a:t>장우석</a:t>
             </a:r>
-            <a:endParaRPr lang="ko-KR" altLang="en-US" dirty="0"/>
           </a:p>
         </p:txBody>
       </p:sp>
@@ -4524,14 +4461,13 @@
           <a:lstStyle/>
           <a:p>
             <a:r>
-              <a:rPr lang="en-US" altLang="ko-KR" dirty="0" smtClean="0"/>
+              <a:rPr lang="en-US" altLang="ko-KR" dirty="0"/>
               <a:t>4</a:t>
             </a:r>
             <a:r>
-              <a:rPr lang="ko-KR" altLang="en-US" dirty="0" smtClean="0"/>
+              <a:rPr lang="ko-KR" altLang="en-US" dirty="0"/>
               <a:t>조 성적표 관리</a:t>
             </a:r>
-            <a:endParaRPr lang="ko-KR" altLang="en-US" dirty="0"/>
           </a:p>
         </p:txBody>
       </p:sp>
@@ -4588,10 +4524,9 @@
           <a:lstStyle/>
           <a:p>
             <a:r>
-              <a:rPr lang="ko-KR" altLang="en-US" dirty="0" smtClean="0"/>
+              <a:rPr lang="ko-KR" altLang="en-US" dirty="0"/>
               <a:t>장민혁</a:t>
             </a:r>
-            <a:endParaRPr lang="ko-KR" altLang="en-US" dirty="0"/>
           </a:p>
         </p:txBody>
       </p:sp>
@@ -4953,6 +4888,171 @@
     <p:extLst>
       <p:ext uri="{BB962C8B-B14F-4D97-AF65-F5344CB8AC3E}">
         <p14:creationId xmlns:p14="http://schemas.microsoft.com/office/powerpoint/2010/main" val="3966938352"/>
+      </p:ext>
+    </p:extLst>
+  </p:cSld>
+  <p:clrMapOvr>
+    <a:masterClrMapping/>
+  </p:clrMapOvr>
+</p:sld>
+</file>
+
+<file path=ppt/slides/slide5.xml><?xml version="1.0" encoding="utf-8"?>
+<p:sld xmlns:a="http://schemas.openxmlformats.org/drawingml/2006/main" xmlns:r="http://schemas.openxmlformats.org/officeDocument/2006/relationships" xmlns:p="http://schemas.openxmlformats.org/presentationml/2006/main">
+  <p:cSld>
+    <p:spTree>
+      <p:nvGrpSpPr>
+        <p:cNvPr id="1" name=""/>
+        <p:cNvGrpSpPr/>
+        <p:nvPr/>
+      </p:nvGrpSpPr>
+      <p:grpSpPr>
+        <a:xfrm>
+          <a:off x="0" y="0"/>
+          <a:ext cx="0" cy="0"/>
+          <a:chOff x="0" y="0"/>
+          <a:chExt cx="0" cy="0"/>
+        </a:xfrm>
+      </p:grpSpPr>
+      <p:sp>
+        <p:nvSpPr>
+          <p:cNvPr id="3" name="내용 개체 틀 2">
+            <a:extLst>
+              <a:ext uri="{FF2B5EF4-FFF2-40B4-BE49-F238E27FC236}">
+                <a16:creationId xmlns:a16="http://schemas.microsoft.com/office/drawing/2014/main" id="{6EEE7959-CCEA-4F46-8ACA-7C3DE11E7487}"/>
+              </a:ext>
+            </a:extLst>
+          </p:cNvPr>
+          <p:cNvSpPr>
+            <a:spLocks noGrp="1"/>
+          </p:cNvSpPr>
+          <p:nvPr>
+            <p:ph sz="quarter" idx="13"/>
+          </p:nvPr>
+        </p:nvSpPr>
+        <p:spPr>
+          <a:xfrm>
+            <a:off x="6948264" y="404664"/>
+            <a:ext cx="1531640" cy="537240"/>
+          </a:xfrm>
+        </p:spPr>
+        <p:txBody>
+          <a:bodyPr/>
+          <a:lstStyle/>
+          <a:p>
+            <a:r>
+              <a:rPr lang="ko-KR" altLang="en-US" b="1" dirty="0"/>
+              <a:t>이태우</a:t>
+            </a:r>
+          </a:p>
+        </p:txBody>
+      </p:sp>
+      <p:pic>
+        <p:nvPicPr>
+          <p:cNvPr id="6" name="그림 5">
+            <a:extLst>
+              <a:ext uri="{FF2B5EF4-FFF2-40B4-BE49-F238E27FC236}">
+                <a16:creationId xmlns:a16="http://schemas.microsoft.com/office/drawing/2014/main" id="{22081657-41C9-4140-B92B-6C8CA282A115}"/>
+              </a:ext>
+            </a:extLst>
+          </p:cNvPr>
+          <p:cNvPicPr>
+            <a:picLocks noChangeAspect="1"/>
+          </p:cNvPicPr>
+          <p:nvPr/>
+        </p:nvPicPr>
+        <p:blipFill>
+          <a:blip r:embed="rId2">
+            <a:extLst>
+              <a:ext uri="{28A0092B-C50C-407E-A947-70E740481C1C}">
+                <a14:useLocalDpi xmlns:a14="http://schemas.microsoft.com/office/drawing/2010/main" val="0"/>
+              </a:ext>
+            </a:extLst>
+          </a:blip>
+          <a:stretch>
+            <a:fillRect/>
+          </a:stretch>
+        </p:blipFill>
+        <p:spPr>
+          <a:xfrm>
+            <a:off x="868245" y="836712"/>
+            <a:ext cx="6058211" cy="5308873"/>
+          </a:xfrm>
+          <a:prstGeom prst="rect">
+            <a:avLst/>
+          </a:prstGeom>
+        </p:spPr>
+      </p:pic>
+    </p:spTree>
+    <p:extLst>
+      <p:ext uri="{BB962C8B-B14F-4D97-AF65-F5344CB8AC3E}">
+        <p14:creationId xmlns:p14="http://schemas.microsoft.com/office/powerpoint/2010/main" val="4103410268"/>
+      </p:ext>
+    </p:extLst>
+  </p:cSld>
+  <p:clrMapOvr>
+    <a:masterClrMapping/>
+  </p:clrMapOvr>
+</p:sld>
+</file>
+
+<file path=ppt/slides/slide6.xml><?xml version="1.0" encoding="utf-8"?>
+<p:sld xmlns:a="http://schemas.openxmlformats.org/drawingml/2006/main" xmlns:r="http://schemas.openxmlformats.org/officeDocument/2006/relationships" xmlns:p="http://schemas.openxmlformats.org/presentationml/2006/main">
+  <p:cSld>
+    <p:spTree>
+      <p:nvGrpSpPr>
+        <p:cNvPr id="1" name=""/>
+        <p:cNvGrpSpPr/>
+        <p:nvPr/>
+      </p:nvGrpSpPr>
+      <p:grpSpPr>
+        <a:xfrm>
+          <a:off x="0" y="0"/>
+          <a:ext cx="0" cy="0"/>
+          <a:chOff x="0" y="0"/>
+          <a:chExt cx="0" cy="0"/>
+        </a:xfrm>
+      </p:grpSpPr>
+      <p:pic>
+        <p:nvPicPr>
+          <p:cNvPr id="5" name="그림 4">
+            <a:extLst>
+              <a:ext uri="{FF2B5EF4-FFF2-40B4-BE49-F238E27FC236}">
+                <a16:creationId xmlns:a16="http://schemas.microsoft.com/office/drawing/2014/main" id="{5771DAEE-F67E-4C2B-B3E8-F0A3483B50E8}"/>
+              </a:ext>
+            </a:extLst>
+          </p:cNvPr>
+          <p:cNvPicPr>
+            <a:picLocks noChangeAspect="1"/>
+          </p:cNvPicPr>
+          <p:nvPr/>
+        </p:nvPicPr>
+        <p:blipFill>
+          <a:blip r:embed="rId2">
+            <a:extLst>
+              <a:ext uri="{28A0092B-C50C-407E-A947-70E740481C1C}">
+                <a14:useLocalDpi xmlns:a14="http://schemas.microsoft.com/office/drawing/2010/main" val="0"/>
+              </a:ext>
+            </a:extLst>
+          </a:blip>
+          <a:stretch>
+            <a:fillRect/>
+          </a:stretch>
+        </p:blipFill>
+        <p:spPr>
+          <a:xfrm>
+            <a:off x="899592" y="1098430"/>
+            <a:ext cx="6225239" cy="4661140"/>
+          </a:xfrm>
+          <a:prstGeom prst="rect">
+            <a:avLst/>
+          </a:prstGeom>
+        </p:spPr>
+      </p:pic>
+    </p:spTree>
+    <p:extLst>
+      <p:ext uri="{BB962C8B-B14F-4D97-AF65-F5344CB8AC3E}">
+        <p14:creationId xmlns:p14="http://schemas.microsoft.com/office/powerpoint/2010/main" val="1384551400"/>
       </p:ext>
     </p:extLst>
   </p:cSld>

--- a/assignment3_4조 ppt.pptx
+++ b/assignment3_4조 ppt.pptx
@@ -11,6 +11,9 @@
     <p:sldId id="258" r:id="rId5"/>
     <p:sldId id="260" r:id="rId6"/>
     <p:sldId id="261" r:id="rId7"/>
+    <p:sldId id="262" r:id="rId8"/>
+    <p:sldId id="263" r:id="rId9"/>
+    <p:sldId id="264" r:id="rId10"/>
   </p:sldIdLst>
   <p:sldSz cx="9144000" cy="6858000" type="screen4x3"/>
   <p:notesSz cx="6858000" cy="9144000"/>
@@ -111,7 +114,7 @@
   </p:defaultTextStyle>
   <p:extLst>
     <p:ext uri="{EFAFB233-063F-42B5-8137-9DF3F51BA10A}">
-      <p15:sldGuideLst xmlns:p15="http://schemas.microsoft.com/office/powerpoint/2012/main">
+      <p15:sldGuideLst xmlns:p15="http://schemas.microsoft.com/office/powerpoint/2012/main" xmlns="">
         <p15:guide id="1" orient="horz" pos="2160">
           <p15:clr>
             <a:srgbClr val="A4A3A4"/>
@@ -554,6 +557,7 @@
           <a:p>
             <a:fld id="{47BE5FE5-3ACA-4F61-9FDE-5191DB028264}" type="datetimeFigureOut">
               <a:rPr lang="ko-KR" altLang="en-US" smtClean="0"/>
+              <a:pPr/>
               <a:t>2017-09-14</a:t>
             </a:fld>
             <a:endParaRPr lang="ko-KR" altLang="en-US"/>
@@ -596,6 +600,7 @@
           <a:p>
             <a:fld id="{DC8010BA-BE60-4FC1-B183-BC1048B57FE6}" type="slidenum">
               <a:rPr lang="ko-KR" altLang="en-US" smtClean="0"/>
+              <a:pPr/>
               <a:t>‹#›</a:t>
             </a:fld>
             <a:endParaRPr lang="ko-KR" altLang="en-US"/>
@@ -759,6 +764,7 @@
           <a:p>
             <a:fld id="{47BE5FE5-3ACA-4F61-9FDE-5191DB028264}" type="datetimeFigureOut">
               <a:rPr lang="ko-KR" altLang="en-US" smtClean="0"/>
+              <a:pPr/>
               <a:t>2017-09-14</a:t>
             </a:fld>
             <a:endParaRPr lang="ko-KR" altLang="en-US"/>
@@ -801,6 +807,7 @@
           <a:p>
             <a:fld id="{DC8010BA-BE60-4FC1-B183-BC1048B57FE6}" type="slidenum">
               <a:rPr lang="ko-KR" altLang="en-US" smtClean="0"/>
+              <a:pPr/>
               <a:t>‹#›</a:t>
             </a:fld>
             <a:endParaRPr lang="ko-KR" altLang="en-US"/>
@@ -939,6 +946,7 @@
           <a:p>
             <a:fld id="{47BE5FE5-3ACA-4F61-9FDE-5191DB028264}" type="datetimeFigureOut">
               <a:rPr lang="ko-KR" altLang="en-US" smtClean="0"/>
+              <a:pPr/>
               <a:t>2017-09-14</a:t>
             </a:fld>
             <a:endParaRPr lang="ko-KR" altLang="en-US"/>
@@ -981,6 +989,7 @@
           <a:p>
             <a:fld id="{DC8010BA-BE60-4FC1-B183-BC1048B57FE6}" type="slidenum">
               <a:rPr lang="ko-KR" altLang="en-US" smtClean="0"/>
+              <a:pPr/>
               <a:t>‹#›</a:t>
             </a:fld>
             <a:endParaRPr lang="ko-KR" altLang="en-US"/>
@@ -1029,6 +1038,7 @@
           <a:p>
             <a:fld id="{47BE5FE5-3ACA-4F61-9FDE-5191DB028264}" type="datetimeFigureOut">
               <a:rPr lang="ko-KR" altLang="en-US" smtClean="0"/>
+              <a:pPr/>
               <a:t>2017-09-14</a:t>
             </a:fld>
             <a:endParaRPr lang="ko-KR" altLang="en-US"/>
@@ -1071,6 +1081,7 @@
           <a:p>
             <a:fld id="{DC8010BA-BE60-4FC1-B183-BC1048B57FE6}" type="slidenum">
               <a:rPr lang="ko-KR" altLang="en-US" smtClean="0"/>
+              <a:pPr/>
               <a:t>‹#›</a:t>
             </a:fld>
             <a:endParaRPr lang="ko-KR" altLang="en-US"/>
@@ -1618,6 +1629,7 @@
           <a:p>
             <a:fld id="{47BE5FE5-3ACA-4F61-9FDE-5191DB028264}" type="datetimeFigureOut">
               <a:rPr lang="ko-KR" altLang="en-US" smtClean="0"/>
+              <a:pPr/>
               <a:t>2017-09-14</a:t>
             </a:fld>
             <a:endParaRPr lang="ko-KR" altLang="en-US"/>
@@ -1660,6 +1672,7 @@
           <a:p>
             <a:fld id="{DC8010BA-BE60-4FC1-B183-BC1048B57FE6}" type="slidenum">
               <a:rPr lang="ko-KR" altLang="en-US" smtClean="0"/>
+              <a:pPr/>
               <a:t>‹#›</a:t>
             </a:fld>
             <a:endParaRPr lang="ko-KR" altLang="en-US"/>
@@ -1708,6 +1721,7 @@
           <a:p>
             <a:fld id="{47BE5FE5-3ACA-4F61-9FDE-5191DB028264}" type="datetimeFigureOut">
               <a:rPr lang="ko-KR" altLang="en-US" smtClean="0"/>
+              <a:pPr/>
               <a:t>2017-09-14</a:t>
             </a:fld>
             <a:endParaRPr lang="ko-KR" altLang="en-US"/>
@@ -1750,6 +1764,7 @@
           <a:p>
             <a:fld id="{DC8010BA-BE60-4FC1-B183-BC1048B57FE6}" type="slidenum">
               <a:rPr lang="ko-KR" altLang="en-US" smtClean="0"/>
+              <a:pPr/>
               <a:t>‹#›</a:t>
             </a:fld>
             <a:endParaRPr lang="ko-KR" altLang="en-US"/>
@@ -2306,6 +2321,7 @@
           <a:p>
             <a:fld id="{47BE5FE5-3ACA-4F61-9FDE-5191DB028264}" type="datetimeFigureOut">
               <a:rPr lang="ko-KR" altLang="en-US" smtClean="0"/>
+              <a:pPr/>
               <a:t>2017-09-14</a:t>
             </a:fld>
             <a:endParaRPr lang="ko-KR" altLang="en-US"/>
@@ -2348,6 +2364,7 @@
           <a:p>
             <a:fld id="{DC8010BA-BE60-4FC1-B183-BC1048B57FE6}" type="slidenum">
               <a:rPr lang="ko-KR" altLang="en-US" smtClean="0"/>
+              <a:pPr/>
               <a:t>‹#›</a:t>
             </a:fld>
             <a:endParaRPr lang="ko-KR" altLang="en-US"/>
@@ -2442,6 +2459,7 @@
           <a:p>
             <a:fld id="{47BE5FE5-3ACA-4F61-9FDE-5191DB028264}" type="datetimeFigureOut">
               <a:rPr lang="ko-KR" altLang="en-US" smtClean="0"/>
+              <a:pPr/>
               <a:t>2017-09-14</a:t>
             </a:fld>
             <a:endParaRPr lang="ko-KR" altLang="en-US"/>
@@ -2484,6 +2502,7 @@
           <a:p>
             <a:fld id="{DC8010BA-BE60-4FC1-B183-BC1048B57FE6}" type="slidenum">
               <a:rPr lang="ko-KR" altLang="en-US" smtClean="0"/>
+              <a:pPr/>
               <a:t>‹#›</a:t>
             </a:fld>
             <a:endParaRPr lang="ko-KR" altLang="en-US"/>
@@ -2532,6 +2551,7 @@
           <a:p>
             <a:fld id="{47BE5FE5-3ACA-4F61-9FDE-5191DB028264}" type="datetimeFigureOut">
               <a:rPr lang="ko-KR" altLang="en-US" smtClean="0"/>
+              <a:pPr/>
               <a:t>2017-09-14</a:t>
             </a:fld>
             <a:endParaRPr lang="ko-KR" altLang="en-US"/>
@@ -2574,6 +2594,7 @@
           <a:p>
             <a:fld id="{DC8010BA-BE60-4FC1-B183-BC1048B57FE6}" type="slidenum">
               <a:rPr lang="ko-KR" altLang="en-US" smtClean="0"/>
+              <a:pPr/>
               <a:t>‹#›</a:t>
             </a:fld>
             <a:endParaRPr lang="ko-KR" altLang="en-US"/>
@@ -2809,6 +2830,7 @@
           <a:p>
             <a:fld id="{47BE5FE5-3ACA-4F61-9FDE-5191DB028264}" type="datetimeFigureOut">
               <a:rPr lang="ko-KR" altLang="en-US" smtClean="0"/>
+              <a:pPr/>
               <a:t>2017-09-14</a:t>
             </a:fld>
             <a:endParaRPr lang="ko-KR" altLang="en-US"/>
@@ -2851,6 +2873,7 @@
           <a:p>
             <a:fld id="{DC8010BA-BE60-4FC1-B183-BC1048B57FE6}" type="slidenum">
               <a:rPr lang="ko-KR" altLang="en-US" smtClean="0"/>
+              <a:pPr/>
               <a:t>‹#›</a:t>
             </a:fld>
             <a:endParaRPr lang="ko-KR" altLang="en-US"/>
@@ -3324,6 +3347,7 @@
           <a:p>
             <a:fld id="{47BE5FE5-3ACA-4F61-9FDE-5191DB028264}" type="datetimeFigureOut">
               <a:rPr lang="ko-KR" altLang="en-US" smtClean="0"/>
+              <a:pPr/>
               <a:t>2017-09-14</a:t>
             </a:fld>
             <a:endParaRPr lang="ko-KR" altLang="en-US"/>
@@ -3366,6 +3390,7 @@
           <a:p>
             <a:fld id="{DC8010BA-BE60-4FC1-B183-BC1048B57FE6}" type="slidenum">
               <a:rPr lang="ko-KR" altLang="en-US" smtClean="0"/>
+              <a:pPr/>
               <a:t>‹#›</a:t>
             </a:fld>
             <a:endParaRPr lang="ko-KR" altLang="en-US"/>
@@ -3837,6 +3862,7 @@
           <a:p>
             <a:fld id="{47BE5FE5-3ACA-4F61-9FDE-5191DB028264}" type="datetimeFigureOut">
               <a:rPr lang="ko-KR" altLang="en-US" smtClean="0"/>
+              <a:pPr/>
               <a:t>2017-09-14</a:t>
             </a:fld>
             <a:endParaRPr lang="ko-KR" altLang="en-US"/>
@@ -3917,6 +3943,7 @@
           <a:p>
             <a:fld id="{DC8010BA-BE60-4FC1-B183-BC1048B57FE6}" type="slidenum">
               <a:rPr lang="ko-KR" altLang="en-US" smtClean="0"/>
+              <a:pPr/>
               <a:t>‹#›</a:t>
             </a:fld>
             <a:endParaRPr lang="ko-KR" altLang="en-US"/>
@@ -4474,7 +4501,7 @@
     </p:spTree>
     <p:extLst>
       <p:ext uri="{BB962C8B-B14F-4D97-AF65-F5344CB8AC3E}">
-        <p14:creationId xmlns:p14="http://schemas.microsoft.com/office/powerpoint/2010/main" val="3713892307"/>
+        <p14:creationId xmlns:p14="http://schemas.microsoft.com/office/powerpoint/2010/main" xmlns="" val="3713892307"/>
       </p:ext>
     </p:extLst>
   </p:cSld>
@@ -4539,10 +4566,10 @@
           <p:nvPr/>
         </p:nvPicPr>
         <p:blipFill>
-          <a:blip r:embed="rId2">
+          <a:blip r:embed="rId2" cstate="print">
             <a:extLst>
               <a:ext uri="{28A0092B-C50C-407E-A947-70E740481C1C}">
-                <a14:useLocalDpi xmlns:a14="http://schemas.microsoft.com/office/drawing/2010/main" val="0"/>
+                <a14:useLocalDpi xmlns:a14="http://schemas.microsoft.com/office/drawing/2010/main" xmlns="" val="0"/>
               </a:ext>
             </a:extLst>
           </a:blip>
@@ -4566,14 +4593,14 @@
           <a:effectLst/>
           <a:extLst>
             <a:ext uri="{909E8E84-426E-40DD-AFC4-6F175D3DCCD1}">
-              <a14:hiddenFill xmlns:a14="http://schemas.microsoft.com/office/drawing/2010/main">
+              <a14:hiddenFill xmlns:a14="http://schemas.microsoft.com/office/drawing/2010/main" xmlns="">
                 <a:solidFill>
                   <a:schemeClr val="accent1"/>
                 </a:solidFill>
               </a14:hiddenFill>
             </a:ext>
             <a:ext uri="{91240B29-F687-4F45-9708-019B960494DF}">
-              <a14:hiddenLine xmlns:a14="http://schemas.microsoft.com/office/drawing/2010/main" w="9525">
+              <a14:hiddenLine xmlns:a14="http://schemas.microsoft.com/office/drawing/2010/main" xmlns="" w="9525">
                 <a:solidFill>
                   <a:schemeClr val="tx1"/>
                 </a:solidFill>
@@ -4583,7 +4610,7 @@
               </a14:hiddenLine>
             </a:ext>
             <a:ext uri="{AF507438-7753-43E0-B8FC-AC1667EBCBE1}">
-              <a14:hiddenEffects xmlns:a14="http://schemas.microsoft.com/office/drawing/2010/main">
+              <a14:hiddenEffects xmlns:a14="http://schemas.microsoft.com/office/drawing/2010/main" xmlns="">
                 <a:effectLst>
                   <a:outerShdw dist="35921" dir="2700000" algn="ctr" rotWithShape="0">
                     <a:schemeClr val="bg2"/>
@@ -4603,10 +4630,10 @@
           <p:nvPr/>
         </p:nvPicPr>
         <p:blipFill>
-          <a:blip r:embed="rId3">
+          <a:blip r:embed="rId3" cstate="print">
             <a:extLst>
               <a:ext uri="{28A0092B-C50C-407E-A947-70E740481C1C}">
-                <a14:useLocalDpi xmlns:a14="http://schemas.microsoft.com/office/drawing/2010/main" val="0"/>
+                <a14:useLocalDpi xmlns:a14="http://schemas.microsoft.com/office/drawing/2010/main" xmlns="" val="0"/>
               </a:ext>
             </a:extLst>
           </a:blip>
@@ -4630,14 +4657,14 @@
           <a:effectLst/>
           <a:extLst>
             <a:ext uri="{909E8E84-426E-40DD-AFC4-6F175D3DCCD1}">
-              <a14:hiddenFill xmlns:a14="http://schemas.microsoft.com/office/drawing/2010/main">
+              <a14:hiddenFill xmlns:a14="http://schemas.microsoft.com/office/drawing/2010/main" xmlns="">
                 <a:solidFill>
                   <a:schemeClr val="accent1"/>
                 </a:solidFill>
               </a14:hiddenFill>
             </a:ext>
             <a:ext uri="{91240B29-F687-4F45-9708-019B960494DF}">
-              <a14:hiddenLine xmlns:a14="http://schemas.microsoft.com/office/drawing/2010/main" w="9525">
+              <a14:hiddenLine xmlns:a14="http://schemas.microsoft.com/office/drawing/2010/main" xmlns="" w="9525">
                 <a:solidFill>
                   <a:schemeClr val="tx1"/>
                 </a:solidFill>
@@ -4647,7 +4674,7 @@
               </a14:hiddenLine>
             </a:ext>
             <a:ext uri="{AF507438-7753-43E0-B8FC-AC1667EBCBE1}">
-              <a14:hiddenEffects xmlns:a14="http://schemas.microsoft.com/office/drawing/2010/main">
+              <a14:hiddenEffects xmlns:a14="http://schemas.microsoft.com/office/drawing/2010/main" xmlns="">
                 <a:effectLst>
                   <a:outerShdw dist="35921" dir="2700000" algn="ctr" rotWithShape="0">
                     <a:schemeClr val="bg2"/>
@@ -4661,7 +4688,7 @@
     </p:spTree>
     <p:extLst>
       <p:ext uri="{BB962C8B-B14F-4D97-AF65-F5344CB8AC3E}">
-        <p14:creationId xmlns:p14="http://schemas.microsoft.com/office/powerpoint/2010/main" val="733211142"/>
+        <p14:creationId xmlns:p14="http://schemas.microsoft.com/office/powerpoint/2010/main" xmlns="" val="733211142"/>
       </p:ext>
     </p:extLst>
   </p:cSld>
@@ -4735,10 +4762,10 @@
           <p:nvPr/>
         </p:nvPicPr>
         <p:blipFill>
-          <a:blip r:embed="rId2">
+          <a:blip r:embed="rId2" cstate="print">
             <a:extLst>
               <a:ext uri="{28A0092B-C50C-407E-A947-70E740481C1C}">
-                <a14:useLocalDpi xmlns:a14="http://schemas.microsoft.com/office/drawing/2010/main" val="0"/>
+                <a14:useLocalDpi xmlns:a14="http://schemas.microsoft.com/office/drawing/2010/main" xmlns="" val="0"/>
               </a:ext>
             </a:extLst>
           </a:blip>
@@ -4762,14 +4789,14 @@
           <a:effectLst/>
           <a:extLst>
             <a:ext uri="{909E8E84-426E-40DD-AFC4-6F175D3DCCD1}">
-              <a14:hiddenFill xmlns:a14="http://schemas.microsoft.com/office/drawing/2010/main">
+              <a14:hiddenFill xmlns:a14="http://schemas.microsoft.com/office/drawing/2010/main" xmlns="">
                 <a:solidFill>
                   <a:schemeClr val="accent1"/>
                 </a:solidFill>
               </a14:hiddenFill>
             </a:ext>
             <a:ext uri="{91240B29-F687-4F45-9708-019B960494DF}">
-              <a14:hiddenLine xmlns:a14="http://schemas.microsoft.com/office/drawing/2010/main" w="9525">
+              <a14:hiddenLine xmlns:a14="http://schemas.microsoft.com/office/drawing/2010/main" xmlns="" w="9525">
                 <a:solidFill>
                   <a:schemeClr val="tx1"/>
                 </a:solidFill>
@@ -4779,7 +4806,7 @@
               </a14:hiddenLine>
             </a:ext>
             <a:ext uri="{AF507438-7753-43E0-B8FC-AC1667EBCBE1}">
-              <a14:hiddenEffects xmlns:a14="http://schemas.microsoft.com/office/drawing/2010/main">
+              <a14:hiddenEffects xmlns:a14="http://schemas.microsoft.com/office/drawing/2010/main" xmlns="">
                 <a:effectLst>
                   <a:outerShdw dist="35921" dir="2700000" algn="ctr" rotWithShape="0">
                     <a:schemeClr val="bg2"/>
@@ -4793,7 +4820,7 @@
     </p:spTree>
     <p:extLst>
       <p:ext uri="{BB962C8B-B14F-4D97-AF65-F5344CB8AC3E}">
-        <p14:creationId xmlns:p14="http://schemas.microsoft.com/office/powerpoint/2010/main" val="2143288702"/>
+        <p14:creationId xmlns:p14="http://schemas.microsoft.com/office/powerpoint/2010/main" xmlns="" val="2143288702"/>
       </p:ext>
     </p:extLst>
   </p:cSld>
@@ -4829,10 +4856,10 @@
           <p:nvPr/>
         </p:nvPicPr>
         <p:blipFill>
-          <a:blip r:embed="rId2">
+          <a:blip r:embed="rId2" cstate="print">
             <a:extLst>
               <a:ext uri="{28A0092B-C50C-407E-A947-70E740481C1C}">
-                <a14:useLocalDpi xmlns:a14="http://schemas.microsoft.com/office/drawing/2010/main" val="0"/>
+                <a14:useLocalDpi xmlns:a14="http://schemas.microsoft.com/office/drawing/2010/main" xmlns="" val="0"/>
               </a:ext>
             </a:extLst>
           </a:blip>
@@ -4856,14 +4883,14 @@
           <a:effectLst/>
           <a:extLst>
             <a:ext uri="{909E8E84-426E-40DD-AFC4-6F175D3DCCD1}">
-              <a14:hiddenFill xmlns:a14="http://schemas.microsoft.com/office/drawing/2010/main">
+              <a14:hiddenFill xmlns:a14="http://schemas.microsoft.com/office/drawing/2010/main" xmlns="">
                 <a:solidFill>
                   <a:schemeClr val="accent1"/>
                 </a:solidFill>
               </a14:hiddenFill>
             </a:ext>
             <a:ext uri="{91240B29-F687-4F45-9708-019B960494DF}">
-              <a14:hiddenLine xmlns:a14="http://schemas.microsoft.com/office/drawing/2010/main" w="9525">
+              <a14:hiddenLine xmlns:a14="http://schemas.microsoft.com/office/drawing/2010/main" xmlns="" w="9525">
                 <a:solidFill>
                   <a:schemeClr val="tx1"/>
                 </a:solidFill>
@@ -4873,7 +4900,7 @@
               </a14:hiddenLine>
             </a:ext>
             <a:ext uri="{AF507438-7753-43E0-B8FC-AC1667EBCBE1}">
-              <a14:hiddenEffects xmlns:a14="http://schemas.microsoft.com/office/drawing/2010/main">
+              <a14:hiddenEffects xmlns:a14="http://schemas.microsoft.com/office/drawing/2010/main" xmlns="">
                 <a:effectLst>
                   <a:outerShdw dist="35921" dir="2700000" algn="ctr" rotWithShape="0">
                     <a:schemeClr val="bg2"/>
@@ -4887,7 +4914,7 @@
     </p:spTree>
     <p:extLst>
       <p:ext uri="{BB962C8B-B14F-4D97-AF65-F5344CB8AC3E}">
-        <p14:creationId xmlns:p14="http://schemas.microsoft.com/office/powerpoint/2010/main" val="3966938352"/>
+        <p14:creationId xmlns:p14="http://schemas.microsoft.com/office/powerpoint/2010/main" xmlns="" val="3966938352"/>
       </p:ext>
     </p:extLst>
   </p:cSld>
@@ -4919,7 +4946,7 @@
           <p:cNvPr id="3" name="내용 개체 틀 2">
             <a:extLst>
               <a:ext uri="{FF2B5EF4-FFF2-40B4-BE49-F238E27FC236}">
-                <a16:creationId xmlns:a16="http://schemas.microsoft.com/office/drawing/2014/main" id="{6EEE7959-CCEA-4F46-8ACA-7C3DE11E7487}"/>
+                <a16:creationId xmlns:a16="http://schemas.microsoft.com/office/drawing/2014/main" xmlns="" id="{6EEE7959-CCEA-4F46-8ACA-7C3DE11E7487}"/>
               </a:ext>
             </a:extLst>
           </p:cNvPr>
@@ -4952,7 +4979,7 @@
           <p:cNvPr id="6" name="그림 5">
             <a:extLst>
               <a:ext uri="{FF2B5EF4-FFF2-40B4-BE49-F238E27FC236}">
-                <a16:creationId xmlns:a16="http://schemas.microsoft.com/office/drawing/2014/main" id="{22081657-41C9-4140-B92B-6C8CA282A115}"/>
+                <a16:creationId xmlns:a16="http://schemas.microsoft.com/office/drawing/2014/main" xmlns="" id="{22081657-41C9-4140-B92B-6C8CA282A115}"/>
               </a:ext>
             </a:extLst>
           </p:cNvPr>
@@ -4962,10 +4989,10 @@
           <p:nvPr/>
         </p:nvPicPr>
         <p:blipFill>
-          <a:blip r:embed="rId2">
+          <a:blip r:embed="rId2" cstate="print">
             <a:extLst>
               <a:ext uri="{28A0092B-C50C-407E-A947-70E740481C1C}">
-                <a14:useLocalDpi xmlns:a14="http://schemas.microsoft.com/office/drawing/2010/main" val="0"/>
+                <a14:useLocalDpi xmlns:a14="http://schemas.microsoft.com/office/drawing/2010/main" xmlns="" val="0"/>
               </a:ext>
             </a:extLst>
           </a:blip>
@@ -4986,7 +5013,7 @@
     </p:spTree>
     <p:extLst>
       <p:ext uri="{BB962C8B-B14F-4D97-AF65-F5344CB8AC3E}">
-        <p14:creationId xmlns:p14="http://schemas.microsoft.com/office/powerpoint/2010/main" val="4103410268"/>
+        <p14:creationId xmlns:p14="http://schemas.microsoft.com/office/powerpoint/2010/main" xmlns="" val="4103410268"/>
       </p:ext>
     </p:extLst>
   </p:cSld>
@@ -5018,7 +5045,7 @@
           <p:cNvPr id="5" name="그림 4">
             <a:extLst>
               <a:ext uri="{FF2B5EF4-FFF2-40B4-BE49-F238E27FC236}">
-                <a16:creationId xmlns:a16="http://schemas.microsoft.com/office/drawing/2014/main" id="{5771DAEE-F67E-4C2B-B3E8-F0A3483B50E8}"/>
+                <a16:creationId xmlns:a16="http://schemas.microsoft.com/office/drawing/2014/main" xmlns="" id="{5771DAEE-F67E-4C2B-B3E8-F0A3483B50E8}"/>
               </a:ext>
             </a:extLst>
           </p:cNvPr>
@@ -5028,10 +5055,10 @@
           <p:nvPr/>
         </p:nvPicPr>
         <p:blipFill>
-          <a:blip r:embed="rId2">
+          <a:blip r:embed="rId2" cstate="print">
             <a:extLst>
               <a:ext uri="{28A0092B-C50C-407E-A947-70E740481C1C}">
-                <a14:useLocalDpi xmlns:a14="http://schemas.microsoft.com/office/drawing/2010/main" val="0"/>
+                <a14:useLocalDpi xmlns:a14="http://schemas.microsoft.com/office/drawing/2010/main" xmlns="" val="0"/>
               </a:ext>
             </a:extLst>
           </a:blip>
@@ -5052,7 +5079,289 @@
     </p:spTree>
     <p:extLst>
       <p:ext uri="{BB962C8B-B14F-4D97-AF65-F5344CB8AC3E}">
-        <p14:creationId xmlns:p14="http://schemas.microsoft.com/office/powerpoint/2010/main" val="1384551400"/>
+        <p14:creationId xmlns:p14="http://schemas.microsoft.com/office/powerpoint/2010/main" xmlns="" val="1384551400"/>
+      </p:ext>
+    </p:extLst>
+  </p:cSld>
+  <p:clrMapOvr>
+    <a:masterClrMapping/>
+  </p:clrMapOvr>
+</p:sld>
+</file>
+
+<file path=ppt/slides/slide7.xml><?xml version="1.0" encoding="utf-8"?>
+<p:sld xmlns:a="http://schemas.openxmlformats.org/drawingml/2006/main" xmlns:r="http://schemas.openxmlformats.org/officeDocument/2006/relationships" xmlns:p="http://schemas.openxmlformats.org/presentationml/2006/main">
+  <p:cSld>
+    <p:spTree>
+      <p:nvGrpSpPr>
+        <p:cNvPr id="1" name=""/>
+        <p:cNvGrpSpPr/>
+        <p:nvPr/>
+      </p:nvGrpSpPr>
+      <p:grpSpPr>
+        <a:xfrm>
+          <a:off x="0" y="0"/>
+          <a:ext cx="0" cy="0"/>
+          <a:chOff x="0" y="0"/>
+          <a:chExt cx="0" cy="0"/>
+        </a:xfrm>
+      </p:grpSpPr>
+      <p:sp>
+        <p:nvSpPr>
+          <p:cNvPr id="2" name="제목 1"/>
+          <p:cNvSpPr>
+            <a:spLocks noGrp="1"/>
+          </p:cNvSpPr>
+          <p:nvPr>
+            <p:ph type="title"/>
+          </p:nvPr>
+        </p:nvSpPr>
+        <p:spPr>
+          <a:xfrm>
+            <a:off x="361053" y="188640"/>
+            <a:ext cx="8229600" cy="482149"/>
+          </a:xfrm>
+        </p:spPr>
+        <p:txBody>
+          <a:bodyPr>
+            <a:normAutofit fontScale="90000"/>
+          </a:bodyPr>
+          <a:lstStyle/>
+          <a:p>
+            <a:r>
+              <a:rPr lang="ko-KR" altLang="en-US" dirty="0" smtClean="0"/>
+              <a:t>장</a:t>
+            </a:r>
+            <a:r>
+              <a:rPr lang="ko-KR" altLang="en-US" dirty="0" smtClean="0"/>
+              <a:t>우</a:t>
+            </a:r>
+            <a:r>
+              <a:rPr lang="ko-KR" altLang="en-US" dirty="0" smtClean="0"/>
+              <a:t>석</a:t>
+            </a:r>
+            <a:endParaRPr lang="ko-KR" altLang="en-US" dirty="0"/>
+          </a:p>
+        </p:txBody>
+      </p:sp>
+      <p:pic>
+        <p:nvPicPr>
+          <p:cNvPr id="1027" name="Picture 3" descr="C:\Users\jang\Desktop\file1.jpg"/>
+          <p:cNvPicPr>
+            <a:picLocks noChangeAspect="1" noChangeArrowheads="1"/>
+          </p:cNvPicPr>
+          <p:nvPr/>
+        </p:nvPicPr>
+        <p:blipFill>
+          <a:blip r:embed="rId2" cstate="print"/>
+          <a:srcRect/>
+          <a:stretch>
+            <a:fillRect/>
+          </a:stretch>
+        </p:blipFill>
+        <p:spPr bwMode="auto">
+          <a:xfrm>
+            <a:off x="0" y="1196752"/>
+            <a:ext cx="9144000" cy="3028950"/>
+          </a:xfrm>
+          <a:prstGeom prst="rect">
+            <a:avLst/>
+          </a:prstGeom>
+          <a:noFill/>
+        </p:spPr>
+      </p:pic>
+    </p:spTree>
+    <p:extLst>
+      <p:ext uri="{BB962C8B-B14F-4D97-AF65-F5344CB8AC3E}">
+        <p14:creationId xmlns:p14="http://schemas.microsoft.com/office/powerpoint/2010/main" xmlns="" val="733211142"/>
+      </p:ext>
+    </p:extLst>
+  </p:cSld>
+  <p:clrMapOvr>
+    <a:masterClrMapping/>
+  </p:clrMapOvr>
+</p:sld>
+</file>
+
+<file path=ppt/slides/slide8.xml><?xml version="1.0" encoding="utf-8"?>
+<p:sld xmlns:a="http://schemas.openxmlformats.org/drawingml/2006/main" xmlns:r="http://schemas.openxmlformats.org/officeDocument/2006/relationships" xmlns:p="http://schemas.openxmlformats.org/presentationml/2006/main">
+  <p:cSld>
+    <p:spTree>
+      <p:nvGrpSpPr>
+        <p:cNvPr id="1" name=""/>
+        <p:cNvGrpSpPr/>
+        <p:nvPr/>
+      </p:nvGrpSpPr>
+      <p:grpSpPr>
+        <a:xfrm>
+          <a:off x="0" y="0"/>
+          <a:ext cx="0" cy="0"/>
+          <a:chOff x="0" y="0"/>
+          <a:chExt cx="0" cy="0"/>
+        </a:xfrm>
+      </p:grpSpPr>
+      <p:sp>
+        <p:nvSpPr>
+          <p:cNvPr id="2" name="제목 1"/>
+          <p:cNvSpPr>
+            <a:spLocks noGrp="1"/>
+          </p:cNvSpPr>
+          <p:nvPr>
+            <p:ph type="title"/>
+          </p:nvPr>
+        </p:nvSpPr>
+        <p:spPr>
+          <a:xfrm>
+            <a:off x="361053" y="188640"/>
+            <a:ext cx="8229600" cy="482149"/>
+          </a:xfrm>
+        </p:spPr>
+        <p:txBody>
+          <a:bodyPr>
+            <a:normAutofit fontScale="90000"/>
+          </a:bodyPr>
+          <a:lstStyle/>
+          <a:p>
+            <a:r>
+              <a:rPr lang="ko-KR" altLang="en-US" dirty="0" smtClean="0"/>
+              <a:t>장</a:t>
+            </a:r>
+            <a:r>
+              <a:rPr lang="ko-KR" altLang="en-US" dirty="0" smtClean="0"/>
+              <a:t>우</a:t>
+            </a:r>
+            <a:r>
+              <a:rPr lang="ko-KR" altLang="en-US" dirty="0" smtClean="0"/>
+              <a:t>석</a:t>
+            </a:r>
+            <a:endParaRPr lang="ko-KR" altLang="en-US" dirty="0"/>
+          </a:p>
+        </p:txBody>
+      </p:sp>
+      <p:pic>
+        <p:nvPicPr>
+          <p:cNvPr id="2050" name="Picture 2" descr="C:\Users\jang\Desktop\file2.jpg"/>
+          <p:cNvPicPr>
+            <a:picLocks noChangeAspect="1" noChangeArrowheads="1"/>
+          </p:cNvPicPr>
+          <p:nvPr/>
+        </p:nvPicPr>
+        <p:blipFill>
+          <a:blip r:embed="rId2" cstate="print"/>
+          <a:srcRect/>
+          <a:stretch>
+            <a:fillRect/>
+          </a:stretch>
+        </p:blipFill>
+        <p:spPr bwMode="auto">
+          <a:xfrm>
+            <a:off x="0" y="1268760"/>
+            <a:ext cx="9144000" cy="3086100"/>
+          </a:xfrm>
+          <a:prstGeom prst="rect">
+            <a:avLst/>
+          </a:prstGeom>
+          <a:noFill/>
+        </p:spPr>
+      </p:pic>
+    </p:spTree>
+    <p:extLst>
+      <p:ext uri="{BB962C8B-B14F-4D97-AF65-F5344CB8AC3E}">
+        <p14:creationId xmlns:p14="http://schemas.microsoft.com/office/powerpoint/2010/main" xmlns="" val="733211142"/>
+      </p:ext>
+    </p:extLst>
+  </p:cSld>
+  <p:clrMapOvr>
+    <a:masterClrMapping/>
+  </p:clrMapOvr>
+</p:sld>
+</file>
+
+<file path=ppt/slides/slide9.xml><?xml version="1.0" encoding="utf-8"?>
+<p:sld xmlns:a="http://schemas.openxmlformats.org/drawingml/2006/main" xmlns:r="http://schemas.openxmlformats.org/officeDocument/2006/relationships" xmlns:p="http://schemas.openxmlformats.org/presentationml/2006/main">
+  <p:cSld>
+    <p:spTree>
+      <p:nvGrpSpPr>
+        <p:cNvPr id="1" name=""/>
+        <p:cNvGrpSpPr/>
+        <p:nvPr/>
+      </p:nvGrpSpPr>
+      <p:grpSpPr>
+        <a:xfrm>
+          <a:off x="0" y="0"/>
+          <a:ext cx="0" cy="0"/>
+          <a:chOff x="0" y="0"/>
+          <a:chExt cx="0" cy="0"/>
+        </a:xfrm>
+      </p:grpSpPr>
+      <p:sp>
+        <p:nvSpPr>
+          <p:cNvPr id="2" name="제목 1"/>
+          <p:cNvSpPr>
+            <a:spLocks noGrp="1"/>
+          </p:cNvSpPr>
+          <p:nvPr>
+            <p:ph type="title"/>
+          </p:nvPr>
+        </p:nvSpPr>
+        <p:spPr>
+          <a:xfrm>
+            <a:off x="361053" y="188640"/>
+            <a:ext cx="8229600" cy="482149"/>
+          </a:xfrm>
+        </p:spPr>
+        <p:txBody>
+          <a:bodyPr>
+            <a:normAutofit fontScale="90000"/>
+          </a:bodyPr>
+          <a:lstStyle/>
+          <a:p>
+            <a:r>
+              <a:rPr lang="ko-KR" altLang="en-US" dirty="0" smtClean="0"/>
+              <a:t>장</a:t>
+            </a:r>
+            <a:r>
+              <a:rPr lang="ko-KR" altLang="en-US" dirty="0" smtClean="0"/>
+              <a:t>우</a:t>
+            </a:r>
+            <a:r>
+              <a:rPr lang="ko-KR" altLang="en-US" dirty="0" smtClean="0"/>
+              <a:t>석</a:t>
+            </a:r>
+            <a:endParaRPr lang="ko-KR" altLang="en-US" dirty="0"/>
+          </a:p>
+        </p:txBody>
+      </p:sp>
+      <p:pic>
+        <p:nvPicPr>
+          <p:cNvPr id="3074" name="Picture 2" descr="C:\Users\jang\Desktop\file3.jpg"/>
+          <p:cNvPicPr>
+            <a:picLocks noChangeAspect="1" noChangeArrowheads="1"/>
+          </p:cNvPicPr>
+          <p:nvPr/>
+        </p:nvPicPr>
+        <p:blipFill>
+          <a:blip r:embed="rId2" cstate="print"/>
+          <a:srcRect/>
+          <a:stretch>
+            <a:fillRect/>
+          </a:stretch>
+        </p:blipFill>
+        <p:spPr bwMode="auto">
+          <a:xfrm>
+            <a:off x="1259632" y="908720"/>
+            <a:ext cx="6624736" cy="5697679"/>
+          </a:xfrm>
+          <a:prstGeom prst="rect">
+            <a:avLst/>
+          </a:prstGeom>
+          <a:noFill/>
+        </p:spPr>
+      </p:pic>
+    </p:spTree>
+    <p:extLst>
+      <p:ext uri="{BB962C8B-B14F-4D97-AF65-F5344CB8AC3E}">
+        <p14:creationId xmlns:p14="http://schemas.microsoft.com/office/powerpoint/2010/main" xmlns="" val="733211142"/>
       </p:ext>
     </p:extLst>
   </p:cSld>
